--- a/lezioni/PASW11-architettura.pptx
+++ b/lezioni/PASW11-architettura.pptx
@@ -35,6 +35,7 @@
     <p:sldId id="396" r:id="rId29"/>
     <p:sldId id="397" r:id="rId30"/>
     <p:sldId id="398" r:id="rId31"/>
+    <p:sldId id="403" r:id="rId32"/>
   </p:sldIdLst>
   <p:sldSz cx="12192000" cy="6858000"/>
   <p:notesSz cx="6858000" cy="9144000"/>
@@ -10077,6 +10078,214 @@
     <p:extLst>
       <p:ext uri="{BB962C8B-B14F-4D97-AF65-F5344CB8AC3E}">
         <p14:creationId xmlns:p14="http://schemas.microsoft.com/office/powerpoint/2010/main" val="2377866218"/>
+      </p:ext>
+    </p:extLst>
+  </p:cSld>
+  <p:clrMapOvr>
+    <a:masterClrMapping/>
+  </p:clrMapOvr>
+</p:sld>
+</file>
+
+<file path=ppt/slides/slide31.xml><?xml version="1.0" encoding="utf-8"?>
+<p:sld xmlns:a="http://schemas.openxmlformats.org/drawingml/2006/main" xmlns:r="http://schemas.openxmlformats.org/officeDocument/2006/relationships" xmlns:p="http://schemas.openxmlformats.org/presentationml/2006/main">
+  <p:cSld>
+    <p:spTree>
+      <p:nvGrpSpPr>
+        <p:cNvPr id="1" name=""/>
+        <p:cNvGrpSpPr/>
+        <p:nvPr/>
+      </p:nvGrpSpPr>
+      <p:grpSpPr>
+        <a:xfrm>
+          <a:off x="0" y="0"/>
+          <a:ext cx="0" cy="0"/>
+          <a:chOff x="0" y="0"/>
+          <a:chExt cx="0" cy="0"/>
+        </a:xfrm>
+      </p:grpSpPr>
+      <p:sp>
+        <p:nvSpPr>
+          <p:cNvPr id="2" name="Titolo 1">
+            <a:extLst>
+              <a:ext uri="{FF2B5EF4-FFF2-40B4-BE49-F238E27FC236}">
+                <a16:creationId xmlns:a16="http://schemas.microsoft.com/office/drawing/2014/main" id="{DE841830-5491-4F22-8476-32061B17C189}"/>
+              </a:ext>
+            </a:extLst>
+          </p:cNvPr>
+          <p:cNvSpPr>
+            <a:spLocks noGrp="1"/>
+          </p:cNvSpPr>
+          <p:nvPr>
+            <p:ph type="title"/>
+          </p:nvPr>
+        </p:nvSpPr>
+        <p:spPr/>
+        <p:txBody>
+          <a:bodyPr/>
+          <a:lstStyle/>
+          <a:p>
+            <a:r>
+              <a:rPr lang="it-IT" sz="2800" dirty="0"/>
+              <a:t>aumentare il parallelismo </a:t>
+            </a:r>
+            <a:br>
+              <a:rPr lang="it-IT" sz="2800" dirty="0"/>
+            </a:br>
+            <a:r>
+              <a:rPr lang="it-IT" sz="2800" dirty="0"/>
+              <a:t>in esecuzione</a:t>
+            </a:r>
+          </a:p>
+        </p:txBody>
+      </p:sp>
+      <p:sp>
+        <p:nvSpPr>
+          <p:cNvPr id="3" name="Segnaposto contenuto 2">
+            <a:extLst>
+              <a:ext uri="{FF2B5EF4-FFF2-40B4-BE49-F238E27FC236}">
+                <a16:creationId xmlns:a16="http://schemas.microsoft.com/office/drawing/2014/main" id="{9A445928-6D88-4A44-BC34-03219FA5F7BA}"/>
+              </a:ext>
+            </a:extLst>
+          </p:cNvPr>
+          <p:cNvSpPr>
+            <a:spLocks noGrp="1"/>
+          </p:cNvSpPr>
+          <p:nvPr>
+            <p:ph idx="1"/>
+          </p:nvPr>
+        </p:nvSpPr>
+        <p:spPr/>
+        <p:txBody>
+          <a:bodyPr/>
+          <a:lstStyle/>
+          <a:p>
+            <a:r>
+              <a:rPr lang="it-IT" dirty="0"/>
+              <a:t>caricare nel processore </a:t>
+            </a:r>
+            <a:r>
+              <a:rPr lang="it-IT" b="1" i="1" dirty="0"/>
+              <a:t>più istruzioni </a:t>
+            </a:r>
+            <a:r>
+              <a:rPr lang="it-IT" dirty="0"/>
+              <a:t>oltre a quella richiesta</a:t>
+            </a:r>
+          </a:p>
+          <a:p>
+            <a:pPr lvl="1"/>
+            <a:r>
+              <a:rPr lang="it-IT" b="1" i="1" dirty="0"/>
+              <a:t>coda di </a:t>
+            </a:r>
+            <a:r>
+              <a:rPr lang="it-IT" b="1" i="1" dirty="0" err="1"/>
+              <a:t>prefetch</a:t>
+            </a:r>
+            <a:r>
+              <a:rPr lang="it-IT" b="1" i="1" dirty="0"/>
+              <a:t> </a:t>
+            </a:r>
+            <a:r>
+              <a:rPr lang="it-IT" dirty="0"/>
+              <a:t>(buffer interno in cui il processore memorizza una serie di byte consecutivi a quelli appena letti dalla memoria</a:t>
+            </a:r>
+          </a:p>
+          <a:p>
+            <a:r>
+              <a:rPr lang="it-IT" dirty="0"/>
+              <a:t>con un solo accesso alla memoria, si ha a disposizione una serie di valori che possono essere elaborati (istruzioni e/o operandi) senza dover accedere nuovamente al bus e alla memoria</a:t>
+            </a:r>
+          </a:p>
+          <a:p>
+            <a:r>
+              <a:rPr lang="it-IT" dirty="0"/>
+              <a:t>l’evoluzione della coda di </a:t>
+            </a:r>
+            <a:r>
+              <a:rPr lang="it-IT" i="1" dirty="0" err="1"/>
+              <a:t>prefetch</a:t>
+            </a:r>
+            <a:r>
+              <a:rPr lang="it-IT" dirty="0"/>
+              <a:t> porta al sistema </a:t>
+            </a:r>
+            <a:r>
+              <a:rPr lang="it-IT" b="1" i="1" dirty="0"/>
+              <a:t>pipeline</a:t>
+            </a:r>
+          </a:p>
+          <a:p>
+            <a:pPr lvl="1"/>
+            <a:r>
+              <a:rPr lang="it-IT" dirty="0"/>
+              <a:t>sfrutta il concetto di catena di montaggio: possibilità di avviare la successiva istruzione subito dopo che la precedente è stata inserita nel data </a:t>
+            </a:r>
+            <a:r>
+              <a:rPr lang="it-IT" dirty="0" err="1"/>
+              <a:t>path</a:t>
+            </a:r>
+            <a:endParaRPr lang="it-IT" dirty="0"/>
+          </a:p>
+          <a:p>
+            <a:pPr lvl="2"/>
+            <a:r>
+              <a:rPr lang="it-IT" dirty="0"/>
+              <a:t>es. se la prima istruzione si trova in fase di </a:t>
+            </a:r>
+            <a:r>
+              <a:rPr lang="it-IT" dirty="0" err="1"/>
+              <a:t>decode</a:t>
+            </a:r>
+            <a:r>
+              <a:rPr lang="it-IT" dirty="0"/>
+              <a:t>, la successiva può essere posta in stato di </a:t>
+            </a:r>
+            <a:r>
+              <a:rPr lang="it-IT" dirty="0" err="1"/>
+              <a:t>fetch</a:t>
+            </a:r>
+            <a:endParaRPr lang="it-IT" dirty="0"/>
+          </a:p>
+        </p:txBody>
+      </p:sp>
+      <p:sp>
+        <p:nvSpPr>
+          <p:cNvPr id="4" name="Segnaposto piè di pagina 3">
+            <a:extLst>
+              <a:ext uri="{FF2B5EF4-FFF2-40B4-BE49-F238E27FC236}">
+                <a16:creationId xmlns:a16="http://schemas.microsoft.com/office/drawing/2014/main" id="{4B94C4C6-841F-49D7-838A-8D81B697AEAF}"/>
+              </a:ext>
+            </a:extLst>
+          </p:cNvPr>
+          <p:cNvSpPr>
+            <a:spLocks noGrp="1"/>
+          </p:cNvSpPr>
+          <p:nvPr>
+            <p:ph type="ftr" sz="quarter" idx="11"/>
+          </p:nvPr>
+        </p:nvSpPr>
+        <p:spPr/>
+        <p:txBody>
+          <a:bodyPr/>
+          <a:lstStyle/>
+          <a:p>
+            <a:pPr>
+              <a:defRPr/>
+            </a:pPr>
+            <a:r>
+              <a:rPr lang="it-IT"/>
+              <a:t>Alberto Ferrari – Programmazione di applicazioni SW</a:t>
+            </a:r>
+            <a:endParaRPr lang="it-IT" dirty="0"/>
+          </a:p>
+        </p:txBody>
+      </p:sp>
+    </p:spTree>
+    <p:extLst>
+      <p:ext uri="{BB962C8B-B14F-4D97-AF65-F5344CB8AC3E}">
+        <p14:creationId xmlns:p14="http://schemas.microsoft.com/office/powerpoint/2010/main" val="2996177785"/>
       </p:ext>
     </p:extLst>
   </p:cSld>
